--- a/zk-SNARKs-Explainer-raw-images.pptx
+++ b/zk-SNARKs-Explainer-raw-images.pptx
@@ -1,6 +1,6 @@
 
 <file path=ppt/presentation.xml><?xml version="1.0" encoding="utf-8"?>
-<p:presentation xmlns:a="http://schemas.openxmlformats.org/drawingml/2006/main" xmlns:r="http://schemas.openxmlformats.org/officeDocument/2006/relationships" xmlns:p="http://schemas.openxmlformats.org/presentationml/2006/main" saveSubsetFonts="1">
+<p:presentation xmlns:a="http://schemas.openxmlformats.org/drawingml/2006/main" xmlns:r="http://schemas.openxmlformats.org/officeDocument/2006/relationships" xmlns:p="http://schemas.openxmlformats.org/presentationml/2006/main" removePersonalInfoOnSave="1" saveSubsetFonts="1">
   <p:sldMasterIdLst>
     <p:sldMasterId id="2147483684" r:id="rId1"/>
   </p:sldMasterIdLst>
@@ -244,7 +244,7 @@
           <a:p>
             <a:fld id="{3CD2F153-B6DB-46FE-92B7-D29474035DF1}" type="datetimeFigureOut">
               <a:rPr lang="en-GB" smtClean="0"/>
-              <a:t>04/05/2020</a:t>
+              <a:t>05/05/2020</a:t>
             </a:fld>
             <a:endParaRPr lang="en-GB"/>
           </a:p>
@@ -414,7 +414,7 @@
           <a:p>
             <a:fld id="{3CD2F153-B6DB-46FE-92B7-D29474035DF1}" type="datetimeFigureOut">
               <a:rPr lang="en-GB" smtClean="0"/>
-              <a:t>04/05/2020</a:t>
+              <a:t>05/05/2020</a:t>
             </a:fld>
             <a:endParaRPr lang="en-GB"/>
           </a:p>
@@ -594,7 +594,7 @@
           <a:p>
             <a:fld id="{3CD2F153-B6DB-46FE-92B7-D29474035DF1}" type="datetimeFigureOut">
               <a:rPr lang="en-GB" smtClean="0"/>
-              <a:t>04/05/2020</a:t>
+              <a:t>05/05/2020</a:t>
             </a:fld>
             <a:endParaRPr lang="en-GB"/>
           </a:p>
@@ -764,7 +764,7 @@
           <a:p>
             <a:fld id="{3CD2F153-B6DB-46FE-92B7-D29474035DF1}" type="datetimeFigureOut">
               <a:rPr lang="en-GB" smtClean="0"/>
-              <a:t>04/05/2020</a:t>
+              <a:t>05/05/2020</a:t>
             </a:fld>
             <a:endParaRPr lang="en-GB"/>
           </a:p>
@@ -1008,7 +1008,7 @@
           <a:p>
             <a:fld id="{3CD2F153-B6DB-46FE-92B7-D29474035DF1}" type="datetimeFigureOut">
               <a:rPr lang="en-GB" smtClean="0"/>
-              <a:t>04/05/2020</a:t>
+              <a:t>05/05/2020</a:t>
             </a:fld>
             <a:endParaRPr lang="en-GB"/>
           </a:p>
@@ -1240,7 +1240,7 @@
           <a:p>
             <a:fld id="{3CD2F153-B6DB-46FE-92B7-D29474035DF1}" type="datetimeFigureOut">
               <a:rPr lang="en-GB" smtClean="0"/>
-              <a:t>04/05/2020</a:t>
+              <a:t>05/05/2020</a:t>
             </a:fld>
             <a:endParaRPr lang="en-GB"/>
           </a:p>
@@ -1607,7 +1607,7 @@
           <a:p>
             <a:fld id="{3CD2F153-B6DB-46FE-92B7-D29474035DF1}" type="datetimeFigureOut">
               <a:rPr lang="en-GB" smtClean="0"/>
-              <a:t>04/05/2020</a:t>
+              <a:t>05/05/2020</a:t>
             </a:fld>
             <a:endParaRPr lang="en-GB"/>
           </a:p>
@@ -1725,7 +1725,7 @@
           <a:p>
             <a:fld id="{3CD2F153-B6DB-46FE-92B7-D29474035DF1}" type="datetimeFigureOut">
               <a:rPr lang="en-GB" smtClean="0"/>
-              <a:t>04/05/2020</a:t>
+              <a:t>05/05/2020</a:t>
             </a:fld>
             <a:endParaRPr lang="en-GB"/>
           </a:p>
@@ -1820,7 +1820,7 @@
           <a:p>
             <a:fld id="{3CD2F153-B6DB-46FE-92B7-D29474035DF1}" type="datetimeFigureOut">
               <a:rPr lang="en-GB" smtClean="0"/>
-              <a:t>04/05/2020</a:t>
+              <a:t>05/05/2020</a:t>
             </a:fld>
             <a:endParaRPr lang="en-GB"/>
           </a:p>
@@ -2097,7 +2097,7 @@
           <a:p>
             <a:fld id="{3CD2F153-B6DB-46FE-92B7-D29474035DF1}" type="datetimeFigureOut">
               <a:rPr lang="en-GB" smtClean="0"/>
-              <a:t>04/05/2020</a:t>
+              <a:t>05/05/2020</a:t>
             </a:fld>
             <a:endParaRPr lang="en-GB"/>
           </a:p>
@@ -2354,7 +2354,7 @@
           <a:p>
             <a:fld id="{3CD2F153-B6DB-46FE-92B7-D29474035DF1}" type="datetimeFigureOut">
               <a:rPr lang="en-GB" smtClean="0"/>
-              <a:t>04/05/2020</a:t>
+              <a:t>05/05/2020</a:t>
             </a:fld>
             <a:endParaRPr lang="en-GB"/>
           </a:p>
@@ -2567,7 +2567,7 @@
           <a:p>
             <a:fld id="{3CD2F153-B6DB-46FE-92B7-D29474035DF1}" type="datetimeFigureOut">
               <a:rPr lang="en-GB" smtClean="0"/>
-              <a:t>04/05/2020</a:t>
+              <a:t>05/05/2020</a:t>
             </a:fld>
             <a:endParaRPr lang="en-GB"/>
           </a:p>
@@ -2986,55 +2986,55 @@
         </p:nvSpPr>
         <p:spPr>
           <a:xfrm>
-            <a:off x="2898309" y="718455"/>
-            <a:ext cx="4176450" cy="3287471"/>
+            <a:off x="3304701" y="718455"/>
+            <a:ext cx="4042234" cy="3287471"/>
           </a:xfrm>
           <a:custGeom>
             <a:avLst/>
             <a:gdLst>
-              <a:gd name="connsiteX0" fmla="*/ 0 w 4176450"/>
+              <a:gd name="connsiteX0" fmla="*/ 0 w 4042234"/>
               <a:gd name="connsiteY0" fmla="*/ 0 h 3287471"/>
-              <a:gd name="connsiteX1" fmla="*/ 696075 w 4176450"/>
+              <a:gd name="connsiteX1" fmla="*/ 673706 w 4042234"/>
               <a:gd name="connsiteY1" fmla="*/ 0 h 3287471"/>
-              <a:gd name="connsiteX2" fmla="*/ 1350386 w 4176450"/>
+              <a:gd name="connsiteX2" fmla="*/ 1306989 w 4042234"/>
               <a:gd name="connsiteY2" fmla="*/ 0 h 3287471"/>
-              <a:gd name="connsiteX3" fmla="*/ 2088225 w 4176450"/>
+              <a:gd name="connsiteX3" fmla="*/ 2021117 w 4042234"/>
               <a:gd name="connsiteY3" fmla="*/ 0 h 3287471"/>
-              <a:gd name="connsiteX4" fmla="*/ 2784300 w 4176450"/>
+              <a:gd name="connsiteX4" fmla="*/ 2694823 w 4042234"/>
               <a:gd name="connsiteY4" fmla="*/ 0 h 3287471"/>
-              <a:gd name="connsiteX5" fmla="*/ 3480375 w 4176450"/>
+              <a:gd name="connsiteX5" fmla="*/ 3368528 w 4042234"/>
               <a:gd name="connsiteY5" fmla="*/ 0 h 3287471"/>
-              <a:gd name="connsiteX6" fmla="*/ 4176450 w 4176450"/>
+              <a:gd name="connsiteX6" fmla="*/ 4042234 w 4042234"/>
               <a:gd name="connsiteY6" fmla="*/ 0 h 3287471"/>
-              <a:gd name="connsiteX7" fmla="*/ 4176450 w 4176450"/>
+              <a:gd name="connsiteX7" fmla="*/ 4042234 w 4042234"/>
               <a:gd name="connsiteY7" fmla="*/ 723244 h 3287471"/>
-              <a:gd name="connsiteX8" fmla="*/ 4176450 w 4176450"/>
+              <a:gd name="connsiteX8" fmla="*/ 4042234 w 4042234"/>
               <a:gd name="connsiteY8" fmla="*/ 1380738 h 3287471"/>
-              <a:gd name="connsiteX9" fmla="*/ 4176450 w 4176450"/>
+              <a:gd name="connsiteX9" fmla="*/ 4042234 w 4042234"/>
               <a:gd name="connsiteY9" fmla="*/ 2005357 h 3287471"/>
-              <a:gd name="connsiteX10" fmla="*/ 4176450 w 4176450"/>
+              <a:gd name="connsiteX10" fmla="*/ 4042234 w 4042234"/>
               <a:gd name="connsiteY10" fmla="*/ 3287471 h 3287471"/>
-              <a:gd name="connsiteX11" fmla="*/ 3438611 w 4176450"/>
+              <a:gd name="connsiteX11" fmla="*/ 3328106 w 4042234"/>
               <a:gd name="connsiteY11" fmla="*/ 3287471 h 3287471"/>
-              <a:gd name="connsiteX12" fmla="*/ 2700771 w 4176450"/>
+              <a:gd name="connsiteX12" fmla="*/ 2613978 w 4042234"/>
               <a:gd name="connsiteY12" fmla="*/ 3287471 h 3287471"/>
-              <a:gd name="connsiteX13" fmla="*/ 2088225 w 4176450"/>
+              <a:gd name="connsiteX13" fmla="*/ 2021117 w 4042234"/>
               <a:gd name="connsiteY13" fmla="*/ 3287471 h 3287471"/>
-              <a:gd name="connsiteX14" fmla="*/ 1475679 w 4176450"/>
+              <a:gd name="connsiteX14" fmla="*/ 1428256 w 4042234"/>
               <a:gd name="connsiteY14" fmla="*/ 3287471 h 3287471"/>
-              <a:gd name="connsiteX15" fmla="*/ 821369 w 4176450"/>
+              <a:gd name="connsiteX15" fmla="*/ 794973 w 4042234"/>
               <a:gd name="connsiteY15" fmla="*/ 3287471 h 3287471"/>
-              <a:gd name="connsiteX16" fmla="*/ 0 w 4176450"/>
+              <a:gd name="connsiteX16" fmla="*/ 0 w 4042234"/>
               <a:gd name="connsiteY16" fmla="*/ 3287471 h 3287471"/>
-              <a:gd name="connsiteX17" fmla="*/ 0 w 4176450"/>
+              <a:gd name="connsiteX17" fmla="*/ 0 w 4042234"/>
               <a:gd name="connsiteY17" fmla="*/ 2662852 h 3287471"/>
-              <a:gd name="connsiteX18" fmla="*/ 0 w 4176450"/>
+              <a:gd name="connsiteX18" fmla="*/ 0 w 4042234"/>
               <a:gd name="connsiteY18" fmla="*/ 2103981 h 3287471"/>
-              <a:gd name="connsiteX19" fmla="*/ 0 w 4176450"/>
+              <a:gd name="connsiteX19" fmla="*/ 0 w 4042234"/>
               <a:gd name="connsiteY19" fmla="*/ 1380738 h 3287471"/>
-              <a:gd name="connsiteX20" fmla="*/ 0 w 4176450"/>
+              <a:gd name="connsiteX20" fmla="*/ 0 w 4042234"/>
               <a:gd name="connsiteY20" fmla="*/ 657494 h 3287471"/>
-              <a:gd name="connsiteX21" fmla="*/ 0 w 4176450"/>
+              <a:gd name="connsiteX21" fmla="*/ 0 w 4042234"/>
               <a:gd name="connsiteY21" fmla="*/ 0 h 3287471"/>
             </a:gdLst>
             <a:ahLst/>
@@ -3108,88 +3108,88 @@
             </a:cxnLst>
             <a:rect l="l" t="t" r="r" b="b"/>
             <a:pathLst>
-              <a:path w="4176450" h="3287471" extrusionOk="0">
+              <a:path w="4042234" h="3287471" extrusionOk="0">
                 <a:moveTo>
                   <a:pt x="0" y="0"/>
                 </a:moveTo>
                 <a:cubicBezTo>
-                  <a:pt x="262419" y="26359"/>
-                  <a:pt x="412372" y="6846"/>
-                  <a:pt x="696075" y="0"/>
-                </a:cubicBezTo>
-                <a:cubicBezTo>
-                  <a:pt x="979779" y="-6846"/>
-                  <a:pt x="1147658" y="-17744"/>
-                  <a:pt x="1350386" y="0"/>
-                </a:cubicBezTo>
-                <a:cubicBezTo>
-                  <a:pt x="1553114" y="17744"/>
-                  <a:pt x="1754420" y="-20469"/>
-                  <a:pt x="2088225" y="0"/>
-                </a:cubicBezTo>
-                <a:cubicBezTo>
-                  <a:pt x="2422030" y="20469"/>
-                  <a:pt x="2644430" y="-22821"/>
-                  <a:pt x="2784300" y="0"/>
-                </a:cubicBezTo>
-                <a:cubicBezTo>
-                  <a:pt x="2924171" y="22821"/>
-                  <a:pt x="3134218" y="-31124"/>
-                  <a:pt x="3480375" y="0"/>
-                </a:cubicBezTo>
-                <a:cubicBezTo>
-                  <a:pt x="3826532" y="31124"/>
-                  <a:pt x="3904176" y="7875"/>
-                  <a:pt x="4176450" y="0"/>
-                </a:cubicBezTo>
-                <a:cubicBezTo>
-                  <a:pt x="4159287" y="321748"/>
-                  <a:pt x="4144279" y="437519"/>
-                  <a:pt x="4176450" y="723244"/>
-                </a:cubicBezTo>
-                <a:cubicBezTo>
-                  <a:pt x="4208621" y="1008969"/>
-                  <a:pt x="4153707" y="1078024"/>
-                  <a:pt x="4176450" y="1380738"/>
-                </a:cubicBezTo>
-                <a:cubicBezTo>
-                  <a:pt x="4199193" y="1683452"/>
-                  <a:pt x="4164946" y="1701002"/>
-                  <a:pt x="4176450" y="2005357"/>
-                </a:cubicBezTo>
-                <a:cubicBezTo>
-                  <a:pt x="4187954" y="2309712"/>
-                  <a:pt x="4134043" y="2676238"/>
-                  <a:pt x="4176450" y="3287471"/>
-                </a:cubicBezTo>
-                <a:cubicBezTo>
-                  <a:pt x="4000696" y="3271435"/>
-                  <a:pt x="3796809" y="3319953"/>
-                  <a:pt x="3438611" y="3287471"/>
-                </a:cubicBezTo>
-                <a:cubicBezTo>
-                  <a:pt x="3080413" y="3254989"/>
-                  <a:pt x="3053936" y="3308509"/>
-                  <a:pt x="2700771" y="3287471"/>
-                </a:cubicBezTo>
-                <a:cubicBezTo>
-                  <a:pt x="2347606" y="3266433"/>
-                  <a:pt x="2346245" y="3294304"/>
-                  <a:pt x="2088225" y="3287471"/>
-                </a:cubicBezTo>
-                <a:cubicBezTo>
-                  <a:pt x="1830205" y="3280638"/>
-                  <a:pt x="1720161" y="3291143"/>
-                  <a:pt x="1475679" y="3287471"/>
-                </a:cubicBezTo>
-                <a:cubicBezTo>
-                  <a:pt x="1231197" y="3283799"/>
-                  <a:pt x="990242" y="3317418"/>
-                  <a:pt x="821369" y="3287471"/>
-                </a:cubicBezTo>
-                <a:cubicBezTo>
-                  <a:pt x="652496" y="3257525"/>
-                  <a:pt x="384179" y="3285539"/>
+                  <a:pt x="322998" y="-2016"/>
+                  <a:pt x="533629" y="12970"/>
+                  <a:pt x="673706" y="0"/>
+                </a:cubicBezTo>
+                <a:cubicBezTo>
+                  <a:pt x="813783" y="-12970"/>
+                  <a:pt x="1123503" y="14586"/>
+                  <a:pt x="1306989" y="0"/>
+                </a:cubicBezTo>
+                <a:cubicBezTo>
+                  <a:pt x="1490475" y="-14586"/>
+                  <a:pt x="1855299" y="-2489"/>
+                  <a:pt x="2021117" y="0"/>
+                </a:cubicBezTo>
+                <a:cubicBezTo>
+                  <a:pt x="2186935" y="2489"/>
+                  <a:pt x="2422711" y="1814"/>
+                  <a:pt x="2694823" y="0"/>
+                </a:cubicBezTo>
+                <a:cubicBezTo>
+                  <a:pt x="2966935" y="-1814"/>
+                  <a:pt x="3076771" y="-5605"/>
+                  <a:pt x="3368528" y="0"/>
+                </a:cubicBezTo>
+                <a:cubicBezTo>
+                  <a:pt x="3660285" y="5605"/>
+                  <a:pt x="3826551" y="3551"/>
+                  <a:pt x="4042234" y="0"/>
+                </a:cubicBezTo>
+                <a:cubicBezTo>
+                  <a:pt x="4025071" y="321748"/>
+                  <a:pt x="4010063" y="437519"/>
+                  <a:pt x="4042234" y="723244"/>
+                </a:cubicBezTo>
+                <a:cubicBezTo>
+                  <a:pt x="4074405" y="1008969"/>
+                  <a:pt x="4019491" y="1078024"/>
+                  <a:pt x="4042234" y="1380738"/>
+                </a:cubicBezTo>
+                <a:cubicBezTo>
+                  <a:pt x="4064977" y="1683452"/>
+                  <a:pt x="4030730" y="1701002"/>
+                  <a:pt x="4042234" y="2005357"/>
+                </a:cubicBezTo>
+                <a:cubicBezTo>
+                  <a:pt x="4053738" y="2309712"/>
+                  <a:pt x="3999827" y="2676238"/>
+                  <a:pt x="4042234" y="3287471"/>
+                </a:cubicBezTo>
+                <a:cubicBezTo>
+                  <a:pt x="3791630" y="3293189"/>
+                  <a:pt x="3548330" y="3287573"/>
+                  <a:pt x="3328106" y="3287471"/>
+                </a:cubicBezTo>
+                <a:cubicBezTo>
+                  <a:pt x="3107882" y="3287369"/>
+                  <a:pt x="2865944" y="3315859"/>
+                  <a:pt x="2613978" y="3287471"/>
+                </a:cubicBezTo>
+                <a:cubicBezTo>
+                  <a:pt x="2362012" y="3259083"/>
+                  <a:pt x="2173875" y="3290301"/>
+                  <a:pt x="2021117" y="3287471"/>
+                </a:cubicBezTo>
+                <a:cubicBezTo>
+                  <a:pt x="1868359" y="3284641"/>
+                  <a:pt x="1562265" y="3262820"/>
+                  <a:pt x="1428256" y="3287471"/>
+                </a:cubicBezTo>
+                <a:cubicBezTo>
+                  <a:pt x="1294247" y="3312122"/>
+                  <a:pt x="1028444" y="3268372"/>
+                  <a:pt x="794973" y="3287471"/>
+                </a:cubicBezTo>
+                <a:cubicBezTo>
+                  <a:pt x="561502" y="3306570"/>
+                  <a:pt x="200603" y="3277488"/>
                   <a:pt x="0" y="3287471"/>
                 </a:cubicBezTo>
                 <a:cubicBezTo>
@@ -3279,60 +3279,56 @@
         </p:nvSpPr>
         <p:spPr>
           <a:xfrm>
-            <a:off x="7168627" y="718456"/>
-            <a:ext cx="4210578" cy="3287471"/>
+            <a:off x="7438569" y="718456"/>
+            <a:ext cx="3926114" cy="3287471"/>
           </a:xfrm>
           <a:custGeom>
             <a:avLst/>
             <a:gdLst>
-              <a:gd name="connsiteX0" fmla="*/ 0 w 4210578"/>
+              <a:gd name="connsiteX0" fmla="*/ 0 w 3926114"/>
               <a:gd name="connsiteY0" fmla="*/ 0 h 3287471"/>
-              <a:gd name="connsiteX1" fmla="*/ 601511 w 4210578"/>
+              <a:gd name="connsiteX1" fmla="*/ 654352 w 3926114"/>
               <a:gd name="connsiteY1" fmla="*/ 0 h 3287471"/>
-              <a:gd name="connsiteX2" fmla="*/ 1160917 w 4210578"/>
+              <a:gd name="connsiteX2" fmla="*/ 1269444 w 3926114"/>
               <a:gd name="connsiteY2" fmla="*/ 0 h 3287471"/>
-              <a:gd name="connsiteX3" fmla="*/ 1804533 w 4210578"/>
+              <a:gd name="connsiteX3" fmla="*/ 1963057 w 3926114"/>
               <a:gd name="connsiteY3" fmla="*/ 0 h 3287471"/>
-              <a:gd name="connsiteX4" fmla="*/ 2406045 w 4210578"/>
+              <a:gd name="connsiteX4" fmla="*/ 2617409 w 3926114"/>
               <a:gd name="connsiteY4" fmla="*/ 0 h 3287471"/>
-              <a:gd name="connsiteX5" fmla="*/ 3007556 w 4210578"/>
+              <a:gd name="connsiteX5" fmla="*/ 3271762 w 3926114"/>
               <a:gd name="connsiteY5" fmla="*/ 0 h 3287471"/>
-              <a:gd name="connsiteX6" fmla="*/ 3693278 w 4210578"/>
+              <a:gd name="connsiteX6" fmla="*/ 3926114 w 3926114"/>
               <a:gd name="connsiteY6" fmla="*/ 0 h 3287471"/>
-              <a:gd name="connsiteX7" fmla="*/ 4210578 w 4210578"/>
-              <a:gd name="connsiteY7" fmla="*/ 0 h 3287471"/>
-              <a:gd name="connsiteX8" fmla="*/ 4210578 w 4210578"/>
-              <a:gd name="connsiteY8" fmla="*/ 558870 h 3287471"/>
-              <a:gd name="connsiteX9" fmla="*/ 4210578 w 4210578"/>
-              <a:gd name="connsiteY9" fmla="*/ 1183490 h 3287471"/>
-              <a:gd name="connsiteX10" fmla="*/ 4210578 w 4210578"/>
-              <a:gd name="connsiteY10" fmla="*/ 1906733 h 3287471"/>
-              <a:gd name="connsiteX11" fmla="*/ 4210578 w 4210578"/>
-              <a:gd name="connsiteY11" fmla="*/ 2597102 h 3287471"/>
-              <a:gd name="connsiteX12" fmla="*/ 4210578 w 4210578"/>
+              <a:gd name="connsiteX7" fmla="*/ 3926114 w 3926114"/>
+              <a:gd name="connsiteY7" fmla="*/ 723244 h 3287471"/>
+              <a:gd name="connsiteX8" fmla="*/ 3926114 w 3926114"/>
+              <a:gd name="connsiteY8" fmla="*/ 1380738 h 3287471"/>
+              <a:gd name="connsiteX9" fmla="*/ 3926114 w 3926114"/>
+              <a:gd name="connsiteY9" fmla="*/ 2005357 h 3287471"/>
+              <a:gd name="connsiteX10" fmla="*/ 3926114 w 3926114"/>
+              <a:gd name="connsiteY10" fmla="*/ 3287471 h 3287471"/>
+              <a:gd name="connsiteX11" fmla="*/ 3232501 w 3926114"/>
+              <a:gd name="connsiteY11" fmla="*/ 3287471 h 3287471"/>
+              <a:gd name="connsiteX12" fmla="*/ 2538887 w 3926114"/>
               <a:gd name="connsiteY12" fmla="*/ 3287471 h 3287471"/>
-              <a:gd name="connsiteX13" fmla="*/ 3693278 w 4210578"/>
+              <a:gd name="connsiteX13" fmla="*/ 1963057 w 3926114"/>
               <a:gd name="connsiteY13" fmla="*/ 3287471 h 3287471"/>
-              <a:gd name="connsiteX14" fmla="*/ 3175979 w 4210578"/>
+              <a:gd name="connsiteX14" fmla="*/ 1387227 w 3926114"/>
               <a:gd name="connsiteY14" fmla="*/ 3287471 h 3287471"/>
-              <a:gd name="connsiteX15" fmla="*/ 2616573 w 4210578"/>
+              <a:gd name="connsiteX15" fmla="*/ 772136 w 3926114"/>
               <a:gd name="connsiteY15" fmla="*/ 3287471 h 3287471"/>
-              <a:gd name="connsiteX16" fmla="*/ 2015062 w 4210578"/>
+              <a:gd name="connsiteX16" fmla="*/ 0 w 3926114"/>
               <a:gd name="connsiteY16" fmla="*/ 3287471 h 3287471"/>
-              <a:gd name="connsiteX17" fmla="*/ 1455657 w 4210578"/>
-              <a:gd name="connsiteY17" fmla="*/ 3287471 h 3287471"/>
-              <a:gd name="connsiteX18" fmla="*/ 812040 w 4210578"/>
-              <a:gd name="connsiteY18" fmla="*/ 3287471 h 3287471"/>
-              <a:gd name="connsiteX19" fmla="*/ 0 w 4210578"/>
-              <a:gd name="connsiteY19" fmla="*/ 3287471 h 3287471"/>
-              <a:gd name="connsiteX20" fmla="*/ 0 w 4210578"/>
-              <a:gd name="connsiteY20" fmla="*/ 2564227 h 3287471"/>
-              <a:gd name="connsiteX21" fmla="*/ 0 w 4210578"/>
-              <a:gd name="connsiteY21" fmla="*/ 1906733 h 3287471"/>
-              <a:gd name="connsiteX22" fmla="*/ 0 w 4210578"/>
-              <a:gd name="connsiteY22" fmla="*/ 1282114 h 3287471"/>
-              <a:gd name="connsiteX23" fmla="*/ 0 w 4210578"/>
-              <a:gd name="connsiteY23" fmla="*/ 0 h 3287471"/>
+              <a:gd name="connsiteX17" fmla="*/ 0 w 3926114"/>
+              <a:gd name="connsiteY17" fmla="*/ 2662852 h 3287471"/>
+              <a:gd name="connsiteX18" fmla="*/ 0 w 3926114"/>
+              <a:gd name="connsiteY18" fmla="*/ 2103981 h 3287471"/>
+              <a:gd name="connsiteX19" fmla="*/ 0 w 3926114"/>
+              <a:gd name="connsiteY19" fmla="*/ 1380738 h 3287471"/>
+              <a:gd name="connsiteX20" fmla="*/ 0 w 3926114"/>
+              <a:gd name="connsiteY20" fmla="*/ 657494 h 3287471"/>
+              <a:gd name="connsiteX21" fmla="*/ 0 w 3926114"/>
+              <a:gd name="connsiteY21" fmla="*/ 0 h 3287471"/>
             </a:gdLst>
             <a:ahLst/>
             <a:cxnLst>
@@ -3402,132 +3398,116 @@
               <a:cxn ang="0">
                 <a:pos x="connsiteX21" y="connsiteY21"/>
               </a:cxn>
-              <a:cxn ang="0">
-                <a:pos x="connsiteX22" y="connsiteY22"/>
-              </a:cxn>
-              <a:cxn ang="0">
-                <a:pos x="connsiteX23" y="connsiteY23"/>
-              </a:cxn>
             </a:cxnLst>
             <a:rect l="l" t="t" r="r" b="b"/>
             <a:pathLst>
-              <a:path w="4210578" h="3287471" extrusionOk="0">
+              <a:path w="3926114" h="3287471" extrusionOk="0">
                 <a:moveTo>
                   <a:pt x="0" y="0"/>
                 </a:moveTo>
                 <a:cubicBezTo>
-                  <a:pt x="225864" y="-13393"/>
-                  <a:pt x="391624" y="-25585"/>
-                  <a:pt x="601511" y="0"/>
-                </a:cubicBezTo>
-                <a:cubicBezTo>
-                  <a:pt x="811398" y="25585"/>
-                  <a:pt x="908798" y="-18447"/>
-                  <a:pt x="1160917" y="0"/>
-                </a:cubicBezTo>
-                <a:cubicBezTo>
-                  <a:pt x="1413036" y="18447"/>
-                  <a:pt x="1507760" y="-442"/>
-                  <a:pt x="1804533" y="0"/>
-                </a:cubicBezTo>
-                <a:cubicBezTo>
-                  <a:pt x="2101306" y="442"/>
-                  <a:pt x="2169808" y="-1131"/>
-                  <a:pt x="2406045" y="0"/>
-                </a:cubicBezTo>
-                <a:cubicBezTo>
-                  <a:pt x="2642282" y="1131"/>
-                  <a:pt x="2884288" y="25396"/>
-                  <a:pt x="3007556" y="0"/>
-                </a:cubicBezTo>
-                <a:cubicBezTo>
-                  <a:pt x="3130824" y="-25396"/>
-                  <a:pt x="3490015" y="-1736"/>
-                  <a:pt x="3693278" y="0"/>
-                </a:cubicBezTo>
-                <a:cubicBezTo>
-                  <a:pt x="3896541" y="1736"/>
-                  <a:pt x="4067058" y="-21832"/>
-                  <a:pt x="4210578" y="0"/>
-                </a:cubicBezTo>
-                <a:cubicBezTo>
-                  <a:pt x="4205309" y="262192"/>
-                  <a:pt x="4206232" y="332496"/>
-                  <a:pt x="4210578" y="558870"/>
-                </a:cubicBezTo>
-                <a:cubicBezTo>
-                  <a:pt x="4214925" y="785244"/>
-                  <a:pt x="4200374" y="873472"/>
-                  <a:pt x="4210578" y="1183490"/>
-                </a:cubicBezTo>
-                <a:cubicBezTo>
-                  <a:pt x="4220782" y="1493508"/>
-                  <a:pt x="4196958" y="1740710"/>
-                  <a:pt x="4210578" y="1906733"/>
-                </a:cubicBezTo>
-                <a:cubicBezTo>
-                  <a:pt x="4224198" y="2072756"/>
-                  <a:pt x="4201231" y="2377904"/>
-                  <a:pt x="4210578" y="2597102"/>
-                </a:cubicBezTo>
-                <a:cubicBezTo>
-                  <a:pt x="4219925" y="2816300"/>
-                  <a:pt x="4186961" y="3097254"/>
-                  <a:pt x="4210578" y="3287471"/>
-                </a:cubicBezTo>
-                <a:cubicBezTo>
-                  <a:pt x="4033910" y="3282049"/>
-                  <a:pt x="3824715" y="3277647"/>
-                  <a:pt x="3693278" y="3287471"/>
-                </a:cubicBezTo>
-                <a:cubicBezTo>
-                  <a:pt x="3561841" y="3297295"/>
-                  <a:pt x="3333773" y="3306318"/>
-                  <a:pt x="3175979" y="3287471"/>
-                </a:cubicBezTo>
-                <a:cubicBezTo>
-                  <a:pt x="3018185" y="3268624"/>
-                  <a:pt x="2871152" y="3274070"/>
-                  <a:pt x="2616573" y="3287471"/>
-                </a:cubicBezTo>
-                <a:cubicBezTo>
-                  <a:pt x="2361994" y="3300872"/>
-                  <a:pt x="2163807" y="3315577"/>
-                  <a:pt x="2015062" y="3287471"/>
-                </a:cubicBezTo>
-                <a:cubicBezTo>
-                  <a:pt x="1866317" y="3259365"/>
-                  <a:pt x="1579439" y="3289216"/>
-                  <a:pt x="1455657" y="3287471"/>
-                </a:cubicBezTo>
-                <a:cubicBezTo>
-                  <a:pt x="1331875" y="3285726"/>
-                  <a:pt x="1066896" y="3303528"/>
-                  <a:pt x="812040" y="3287471"/>
-                </a:cubicBezTo>
-                <a:cubicBezTo>
-                  <a:pt x="557184" y="3271414"/>
-                  <a:pt x="320850" y="3276648"/>
+                  <a:pt x="296677" y="5946"/>
+                  <a:pt x="458570" y="9564"/>
+                  <a:pt x="654352" y="0"/>
+                </a:cubicBezTo>
+                <a:cubicBezTo>
+                  <a:pt x="850134" y="-9564"/>
+                  <a:pt x="1067427" y="947"/>
+                  <a:pt x="1269444" y="0"/>
+                </a:cubicBezTo>
+                <a:cubicBezTo>
+                  <a:pt x="1471461" y="-947"/>
+                  <a:pt x="1709213" y="22703"/>
+                  <a:pt x="1963057" y="0"/>
+                </a:cubicBezTo>
+                <a:cubicBezTo>
+                  <a:pt x="2216901" y="-22703"/>
+                  <a:pt x="2336641" y="-24770"/>
+                  <a:pt x="2617409" y="0"/>
+                </a:cubicBezTo>
+                <a:cubicBezTo>
+                  <a:pt x="2898177" y="24770"/>
+                  <a:pt x="3047545" y="-2792"/>
+                  <a:pt x="3271762" y="0"/>
+                </a:cubicBezTo>
+                <a:cubicBezTo>
+                  <a:pt x="3495979" y="2792"/>
+                  <a:pt x="3732012" y="17973"/>
+                  <a:pt x="3926114" y="0"/>
+                </a:cubicBezTo>
+                <a:cubicBezTo>
+                  <a:pt x="3908951" y="321748"/>
+                  <a:pt x="3893943" y="437519"/>
+                  <a:pt x="3926114" y="723244"/>
+                </a:cubicBezTo>
+                <a:cubicBezTo>
+                  <a:pt x="3958285" y="1008969"/>
+                  <a:pt x="3903371" y="1078024"/>
+                  <a:pt x="3926114" y="1380738"/>
+                </a:cubicBezTo>
+                <a:cubicBezTo>
+                  <a:pt x="3948857" y="1683452"/>
+                  <a:pt x="3914610" y="1701002"/>
+                  <a:pt x="3926114" y="2005357"/>
+                </a:cubicBezTo>
+                <a:cubicBezTo>
+                  <a:pt x="3937618" y="2309712"/>
+                  <a:pt x="3883707" y="2676238"/>
+                  <a:pt x="3926114" y="3287471"/>
+                </a:cubicBezTo>
+                <a:cubicBezTo>
+                  <a:pt x="3733797" y="3297991"/>
+                  <a:pt x="3452704" y="3264255"/>
+                  <a:pt x="3232501" y="3287471"/>
+                </a:cubicBezTo>
+                <a:cubicBezTo>
+                  <a:pt x="3012298" y="3310687"/>
+                  <a:pt x="2737895" y="3289481"/>
+                  <a:pt x="2538887" y="3287471"/>
+                </a:cubicBezTo>
+                <a:cubicBezTo>
+                  <a:pt x="2339879" y="3285461"/>
+                  <a:pt x="2119098" y="3286329"/>
+                  <a:pt x="1963057" y="3287471"/>
+                </a:cubicBezTo>
+                <a:cubicBezTo>
+                  <a:pt x="1807016" y="3288614"/>
+                  <a:pt x="1533771" y="3262948"/>
+                  <a:pt x="1387227" y="3287471"/>
+                </a:cubicBezTo>
+                <a:cubicBezTo>
+                  <a:pt x="1240683" y="3311995"/>
+                  <a:pt x="908607" y="3257009"/>
+                  <a:pt x="772136" y="3287471"/>
+                </a:cubicBezTo>
+                <a:cubicBezTo>
+                  <a:pt x="635665" y="3317933"/>
+                  <a:pt x="199796" y="3303093"/>
                   <a:pt x="0" y="3287471"/>
                 </a:cubicBezTo>
                 <a:cubicBezTo>
-                  <a:pt x="-20780" y="3136869"/>
-                  <a:pt x="29110" y="2730799"/>
-                  <a:pt x="0" y="2564227"/>
-                </a:cubicBezTo>
-                <a:cubicBezTo>
-                  <a:pt x="-29110" y="2397655"/>
-                  <a:pt x="-28929" y="2136399"/>
-                  <a:pt x="0" y="1906733"/>
-                </a:cubicBezTo>
-                <a:cubicBezTo>
-                  <a:pt x="28929" y="1677067"/>
-                  <a:pt x="-2426" y="1459894"/>
-                  <a:pt x="0" y="1282114"/>
-                </a:cubicBezTo>
-                <a:cubicBezTo>
-                  <a:pt x="2426" y="1104334"/>
-                  <a:pt x="43426" y="522315"/>
+                  <a:pt x="17341" y="3047256"/>
+                  <a:pt x="-6898" y="2950866"/>
+                  <a:pt x="0" y="2662852"/>
+                </a:cubicBezTo>
+                <a:cubicBezTo>
+                  <a:pt x="6898" y="2374838"/>
+                  <a:pt x="-21892" y="2358971"/>
+                  <a:pt x="0" y="2103981"/>
+                </a:cubicBezTo>
+                <a:cubicBezTo>
+                  <a:pt x="21892" y="1848991"/>
+                  <a:pt x="-27960" y="1695333"/>
+                  <a:pt x="0" y="1380738"/>
+                </a:cubicBezTo>
+                <a:cubicBezTo>
+                  <a:pt x="27960" y="1066143"/>
+                  <a:pt x="29110" y="824066"/>
+                  <a:pt x="0" y="657494"/>
+                </a:cubicBezTo>
+                <a:cubicBezTo>
+                  <a:pt x="-29110" y="490922"/>
+                  <a:pt x="-28929" y="229666"/>
                   <a:pt x="0" y="0"/>
                 </a:cubicBezTo>
                 <a:close/>
@@ -4268,7 +4248,7 @@
         </p:nvSpPr>
         <p:spPr>
           <a:xfrm>
-            <a:off x="2992080" y="1274803"/>
+            <a:off x="3398472" y="1274803"/>
             <a:ext cx="2574150" cy="2646878"/>
           </a:xfrm>
           <a:prstGeom prst="flowChartProcess">
@@ -4400,7 +4380,7 @@
         </p:nvSpPr>
         <p:spPr>
           <a:xfrm>
-            <a:off x="7263922" y="1236331"/>
+            <a:off x="7590489" y="1236331"/>
             <a:ext cx="2340427" cy="2723823"/>
           </a:xfrm>
           <a:prstGeom prst="flowChartProcess">
@@ -4662,7 +4642,7 @@
         </p:nvSpPr>
         <p:spPr>
           <a:xfrm>
-            <a:off x="2964704" y="816622"/>
+            <a:off x="3371096" y="816622"/>
             <a:ext cx="2012089" cy="400110"/>
           </a:xfrm>
           <a:prstGeom prst="rect">
@@ -4736,7 +4716,7 @@
         </p:nvSpPr>
         <p:spPr>
           <a:xfrm>
-            <a:off x="7263922" y="790448"/>
+            <a:off x="7590489" y="790448"/>
             <a:ext cx="1858201" cy="400110"/>
           </a:xfrm>
           <a:prstGeom prst="rect">
@@ -4773,7 +4753,7 @@
         </p:nvSpPr>
         <p:spPr>
           <a:xfrm>
-            <a:off x="4143827" y="4148773"/>
+            <a:off x="4114799" y="4170544"/>
             <a:ext cx="1435008" cy="400110"/>
           </a:xfrm>
           <a:prstGeom prst="rect">
@@ -4810,46 +4790,50 @@
         </p:nvSpPr>
         <p:spPr>
           <a:xfrm>
-            <a:off x="928916" y="718455"/>
-            <a:ext cx="1875526" cy="3287472"/>
+            <a:off x="928915" y="718455"/>
+            <a:ext cx="2284072" cy="3287472"/>
           </a:xfrm>
           <a:custGeom>
             <a:avLst/>
             <a:gdLst>
-              <a:gd name="connsiteX0" fmla="*/ 0 w 1875526"/>
+              <a:gd name="connsiteX0" fmla="*/ 0 w 2284072"/>
               <a:gd name="connsiteY0" fmla="*/ 0 h 3287472"/>
-              <a:gd name="connsiteX1" fmla="*/ 625175 w 1875526"/>
+              <a:gd name="connsiteX1" fmla="*/ 571018 w 2284072"/>
               <a:gd name="connsiteY1" fmla="*/ 0 h 3287472"/>
-              <a:gd name="connsiteX2" fmla="*/ 1231595 w 1875526"/>
+              <a:gd name="connsiteX2" fmla="*/ 1119195 w 2284072"/>
               <a:gd name="connsiteY2" fmla="*/ 0 h 3287472"/>
-              <a:gd name="connsiteX3" fmla="*/ 1875526 w 1875526"/>
+              <a:gd name="connsiteX3" fmla="*/ 1713054 w 2284072"/>
               <a:gd name="connsiteY3" fmla="*/ 0 h 3287472"/>
-              <a:gd name="connsiteX4" fmla="*/ 1875526 w 1875526"/>
-              <a:gd name="connsiteY4" fmla="*/ 657494 h 3287472"/>
-              <a:gd name="connsiteX5" fmla="*/ 1875526 w 1875526"/>
-              <a:gd name="connsiteY5" fmla="*/ 1282114 h 3287472"/>
-              <a:gd name="connsiteX6" fmla="*/ 1875526 w 1875526"/>
-              <a:gd name="connsiteY6" fmla="*/ 1873859 h 3287472"/>
-              <a:gd name="connsiteX7" fmla="*/ 1875526 w 1875526"/>
-              <a:gd name="connsiteY7" fmla="*/ 2597103 h 3287472"/>
-              <a:gd name="connsiteX8" fmla="*/ 1875526 w 1875526"/>
-              <a:gd name="connsiteY8" fmla="*/ 3287472 h 3287472"/>
-              <a:gd name="connsiteX9" fmla="*/ 1269106 w 1875526"/>
+              <a:gd name="connsiteX4" fmla="*/ 2284072 w 2284072"/>
+              <a:gd name="connsiteY4" fmla="*/ 0 h 3287472"/>
+              <a:gd name="connsiteX5" fmla="*/ 2284072 w 2284072"/>
+              <a:gd name="connsiteY5" fmla="*/ 657494 h 3287472"/>
+              <a:gd name="connsiteX6" fmla="*/ 2284072 w 2284072"/>
+              <a:gd name="connsiteY6" fmla="*/ 1249239 h 3287472"/>
+              <a:gd name="connsiteX7" fmla="*/ 2284072 w 2284072"/>
+              <a:gd name="connsiteY7" fmla="*/ 1972483 h 3287472"/>
+              <a:gd name="connsiteX8" fmla="*/ 2284072 w 2284072"/>
+              <a:gd name="connsiteY8" fmla="*/ 2629978 h 3287472"/>
+              <a:gd name="connsiteX9" fmla="*/ 2284072 w 2284072"/>
               <a:gd name="connsiteY9" fmla="*/ 3287472 h 3287472"/>
-              <a:gd name="connsiteX10" fmla="*/ 662686 w 1875526"/>
+              <a:gd name="connsiteX10" fmla="*/ 1667373 w 2284072"/>
               <a:gd name="connsiteY10" fmla="*/ 3287472 h 3287472"/>
-              <a:gd name="connsiteX11" fmla="*/ 0 w 1875526"/>
+              <a:gd name="connsiteX11" fmla="*/ 1096355 w 2284072"/>
               <a:gd name="connsiteY11" fmla="*/ 3287472 h 3287472"/>
-              <a:gd name="connsiteX12" fmla="*/ 0 w 1875526"/>
-              <a:gd name="connsiteY12" fmla="*/ 2597103 h 3287472"/>
-              <a:gd name="connsiteX13" fmla="*/ 0 w 1875526"/>
-              <a:gd name="connsiteY13" fmla="*/ 1939608 h 3287472"/>
-              <a:gd name="connsiteX14" fmla="*/ 0 w 1875526"/>
-              <a:gd name="connsiteY14" fmla="*/ 1314989 h 3287472"/>
-              <a:gd name="connsiteX15" fmla="*/ 0 w 1875526"/>
-              <a:gd name="connsiteY15" fmla="*/ 723244 h 3287472"/>
-              <a:gd name="connsiteX16" fmla="*/ 0 w 1875526"/>
-              <a:gd name="connsiteY16" fmla="*/ 0 h 3287472"/>
+              <a:gd name="connsiteX12" fmla="*/ 502496 w 2284072"/>
+              <a:gd name="connsiteY12" fmla="*/ 3287472 h 3287472"/>
+              <a:gd name="connsiteX13" fmla="*/ 0 w 2284072"/>
+              <a:gd name="connsiteY13" fmla="*/ 3287472 h 3287472"/>
+              <a:gd name="connsiteX14" fmla="*/ 0 w 2284072"/>
+              <a:gd name="connsiteY14" fmla="*/ 2695727 h 3287472"/>
+              <a:gd name="connsiteX15" fmla="*/ 0 w 2284072"/>
+              <a:gd name="connsiteY15" fmla="*/ 2103982 h 3287472"/>
+              <a:gd name="connsiteX16" fmla="*/ 0 w 2284072"/>
+              <a:gd name="connsiteY16" fmla="*/ 1413613 h 3287472"/>
+              <a:gd name="connsiteX17" fmla="*/ 0 w 2284072"/>
+              <a:gd name="connsiteY17" fmla="*/ 788993 h 3287472"/>
+              <a:gd name="connsiteX18" fmla="*/ 0 w 2284072"/>
+              <a:gd name="connsiteY18" fmla="*/ 0 h 3287472"/>
             </a:gdLst>
             <a:ahLst/>
             <a:cxnLst>
@@ -4904,91 +4888,107 @@
               <a:cxn ang="0">
                 <a:pos x="connsiteX16" y="connsiteY16"/>
               </a:cxn>
+              <a:cxn ang="0">
+                <a:pos x="connsiteX17" y="connsiteY17"/>
+              </a:cxn>
+              <a:cxn ang="0">
+                <a:pos x="connsiteX18" y="connsiteY18"/>
+              </a:cxn>
             </a:cxnLst>
             <a:rect l="l" t="t" r="r" b="b"/>
             <a:pathLst>
-              <a:path w="1875526" h="3287472" extrusionOk="0">
+              <a:path w="2284072" h="3287472" extrusionOk="0">
                 <a:moveTo>
                   <a:pt x="0" y="0"/>
                 </a:moveTo>
                 <a:cubicBezTo>
-                  <a:pt x="194802" y="16877"/>
-                  <a:pt x="430972" y="28886"/>
-                  <a:pt x="625175" y="0"/>
-                </a:cubicBezTo>
-                <a:cubicBezTo>
-                  <a:pt x="819378" y="-28886"/>
-                  <a:pt x="1038111" y="14720"/>
-                  <a:pt x="1231595" y="0"/>
-                </a:cubicBezTo>
-                <a:cubicBezTo>
-                  <a:pt x="1425079" y="-14720"/>
-                  <a:pt x="1629765" y="-28087"/>
-                  <a:pt x="1875526" y="0"/>
-                </a:cubicBezTo>
-                <a:cubicBezTo>
-                  <a:pt x="1844657" y="312649"/>
-                  <a:pt x="1856710" y="490179"/>
-                  <a:pt x="1875526" y="657494"/>
-                </a:cubicBezTo>
-                <a:cubicBezTo>
-                  <a:pt x="1894342" y="824809"/>
-                  <a:pt x="1873715" y="1100696"/>
-                  <a:pt x="1875526" y="1282114"/>
-                </a:cubicBezTo>
-                <a:cubicBezTo>
-                  <a:pt x="1877337" y="1463532"/>
-                  <a:pt x="1863244" y="1675747"/>
-                  <a:pt x="1875526" y="1873859"/>
-                </a:cubicBezTo>
-                <a:cubicBezTo>
-                  <a:pt x="1887808" y="2071971"/>
-                  <a:pt x="1843355" y="2311378"/>
-                  <a:pt x="1875526" y="2597103"/>
-                </a:cubicBezTo>
-                <a:cubicBezTo>
-                  <a:pt x="1907697" y="2882828"/>
-                  <a:pt x="1858480" y="3046760"/>
-                  <a:pt x="1875526" y="3287472"/>
-                </a:cubicBezTo>
-                <a:cubicBezTo>
-                  <a:pt x="1670592" y="3270378"/>
-                  <a:pt x="1425446" y="3312154"/>
-                  <a:pt x="1269106" y="3287472"/>
-                </a:cubicBezTo>
-                <a:cubicBezTo>
-                  <a:pt x="1112766" y="3262790"/>
-                  <a:pt x="880426" y="3278171"/>
-                  <a:pt x="662686" y="3287472"/>
-                </a:cubicBezTo>
-                <a:cubicBezTo>
-                  <a:pt x="444946" y="3296773"/>
-                  <a:pt x="300477" y="3302667"/>
+                  <a:pt x="220657" y="-5228"/>
+                  <a:pt x="388368" y="-24889"/>
+                  <a:pt x="571018" y="0"/>
+                </a:cubicBezTo>
+                <a:cubicBezTo>
+                  <a:pt x="753668" y="24889"/>
+                  <a:pt x="958703" y="14413"/>
+                  <a:pt x="1119195" y="0"/>
+                </a:cubicBezTo>
+                <a:cubicBezTo>
+                  <a:pt x="1279687" y="-14413"/>
+                  <a:pt x="1474450" y="-21865"/>
+                  <a:pt x="1713054" y="0"/>
+                </a:cubicBezTo>
+                <a:cubicBezTo>
+                  <a:pt x="1951658" y="21865"/>
+                  <a:pt x="2145763" y="4371"/>
+                  <a:pt x="2284072" y="0"/>
+                </a:cubicBezTo>
+                <a:cubicBezTo>
+                  <a:pt x="2281562" y="230185"/>
+                  <a:pt x="2256098" y="415954"/>
+                  <a:pt x="2284072" y="657494"/>
+                </a:cubicBezTo>
+                <a:cubicBezTo>
+                  <a:pt x="2312046" y="899034"/>
+                  <a:pt x="2271790" y="1051127"/>
+                  <a:pt x="2284072" y="1249239"/>
+                </a:cubicBezTo>
+                <a:cubicBezTo>
+                  <a:pt x="2296354" y="1447351"/>
+                  <a:pt x="2251901" y="1686758"/>
+                  <a:pt x="2284072" y="1972483"/>
+                </a:cubicBezTo>
+                <a:cubicBezTo>
+                  <a:pt x="2316243" y="2258208"/>
+                  <a:pt x="2264011" y="2323638"/>
+                  <a:pt x="2284072" y="2629978"/>
+                </a:cubicBezTo>
+                <a:cubicBezTo>
+                  <a:pt x="2304133" y="2936319"/>
+                  <a:pt x="2268027" y="3025099"/>
+                  <a:pt x="2284072" y="3287472"/>
+                </a:cubicBezTo>
+                <a:cubicBezTo>
+                  <a:pt x="1977460" y="3268197"/>
+                  <a:pt x="1922378" y="3263545"/>
+                  <a:pt x="1667373" y="3287472"/>
+                </a:cubicBezTo>
+                <a:cubicBezTo>
+                  <a:pt x="1412368" y="3311399"/>
+                  <a:pt x="1353983" y="3262910"/>
+                  <a:pt x="1096355" y="3287472"/>
+                </a:cubicBezTo>
+                <a:cubicBezTo>
+                  <a:pt x="838727" y="3312034"/>
+                  <a:pt x="649909" y="3297313"/>
+                  <a:pt x="502496" y="3287472"/>
+                </a:cubicBezTo>
+                <a:cubicBezTo>
+                  <a:pt x="355083" y="3277631"/>
+                  <a:pt x="224883" y="3280746"/>
                   <a:pt x="0" y="3287472"/>
                 </a:cubicBezTo>
                 <a:cubicBezTo>
-                  <a:pt x="-10510" y="3130581"/>
-                  <a:pt x="-19973" y="2768798"/>
-                  <a:pt x="0" y="2597103"/>
-                </a:cubicBezTo>
-                <a:cubicBezTo>
-                  <a:pt x="19973" y="2425408"/>
-                  <a:pt x="-1765" y="2141414"/>
-                  <a:pt x="0" y="1939608"/>
-                </a:cubicBezTo>
-                <a:cubicBezTo>
-                  <a:pt x="1765" y="1737802"/>
-                  <a:pt x="18721" y="1451520"/>
-                  <a:pt x="0" y="1314989"/>
-                </a:cubicBezTo>
-                <a:cubicBezTo>
-                  <a:pt x="-18721" y="1178458"/>
-                  <a:pt x="-4403" y="983359"/>
-                  <a:pt x="0" y="723244"/>
-                </a:cubicBezTo>
-                <a:cubicBezTo>
-                  <a:pt x="4403" y="463129"/>
-                  <a:pt x="11486" y="223074"/>
+                  <a:pt x="28776" y="3013469"/>
+                  <a:pt x="-13895" y="2900148"/>
+                  <a:pt x="0" y="2695727"/>
+                </a:cubicBezTo>
+                <a:cubicBezTo>
+                  <a:pt x="13895" y="2491307"/>
+                  <a:pt x="-4403" y="2364097"/>
+                  <a:pt x="0" y="2103982"/>
+                </a:cubicBezTo>
+                <a:cubicBezTo>
+                  <a:pt x="4403" y="1843867"/>
+                  <a:pt x="-22573" y="1748395"/>
+                  <a:pt x="0" y="1413613"/>
+                </a:cubicBezTo>
+                <a:cubicBezTo>
+                  <a:pt x="22573" y="1078831"/>
+                  <a:pt x="-9247" y="1082365"/>
+                  <a:pt x="0" y="788993"/>
+                </a:cubicBezTo>
+                <a:cubicBezTo>
+                  <a:pt x="9247" y="495621"/>
+                  <a:pt x="-23623" y="186205"/>
                   <a:pt x="0" y="0"/>
                 </a:cubicBezTo>
                 <a:close/>
@@ -5053,7 +5053,7 @@
         </p:nvSpPr>
         <p:spPr>
           <a:xfrm>
-            <a:off x="1004730" y="816622"/>
+            <a:off x="1004730" y="787594"/>
             <a:ext cx="1827782" cy="1015663"/>
           </a:xfrm>
           <a:prstGeom prst="rect">
@@ -5253,96 +5253,6 @@
           </a:p>
         </p:txBody>
       </p:sp>
-      <p:pic>
-        <p:nvPicPr>
-          <p:cNvPr id="1026" name="Picture 2" descr="Image result for twitter icon">
-            <a:extLst>
-              <a:ext uri="{FF2B5EF4-FFF2-40B4-BE49-F238E27FC236}">
-                <a16:creationId xmlns:a16="http://schemas.microsoft.com/office/drawing/2014/main" id="{6F620EE5-9B70-4D8D-905A-D80AABBC7935}"/>
-              </a:ext>
-            </a:extLst>
-          </p:cNvPr>
-          <p:cNvPicPr>
-            <a:picLocks noChangeAspect="1" noChangeArrowheads="1"/>
-          </p:cNvPicPr>
-          <p:nvPr/>
-        </p:nvPicPr>
-        <p:blipFill>
-          <a:blip r:embed="rId2">
-            <a:extLst>
-              <a:ext uri="{28A0092B-C50C-407E-A947-70E740481C1C}">
-                <a14:useLocalDpi xmlns:a14="http://schemas.microsoft.com/office/drawing/2010/main" val="0"/>
-              </a:ext>
-            </a:extLst>
-          </a:blip>
-          <a:srcRect/>
-          <a:stretch>
-            <a:fillRect/>
-          </a:stretch>
-        </p:blipFill>
-        <p:spPr bwMode="auto">
-          <a:xfrm>
-            <a:off x="1004731" y="3720401"/>
-            <a:ext cx="212493" cy="212493"/>
-          </a:xfrm>
-          <a:prstGeom prst="rect">
-            <a:avLst/>
-          </a:prstGeom>
-          <a:noFill/>
-          <a:extLst>
-            <a:ext uri="{909E8E84-426E-40DD-AFC4-6F175D3DCCD1}">
-              <a14:hiddenFill xmlns:a14="http://schemas.microsoft.com/office/drawing/2010/main">
-                <a:solidFill>
-                  <a:srgbClr val="FFFFFF"/>
-                </a:solidFill>
-              </a14:hiddenFill>
-            </a:ext>
-          </a:extLst>
-        </p:spPr>
-      </p:pic>
-      <p:sp>
-        <p:nvSpPr>
-          <p:cNvPr id="2" name="Rectangle 1">
-            <a:extLst>
-              <a:ext uri="{FF2B5EF4-FFF2-40B4-BE49-F238E27FC236}">
-                <a16:creationId xmlns:a16="http://schemas.microsoft.com/office/drawing/2014/main" id="{144B4C5C-1730-4EC7-A7BA-F731BDC5CA67}"/>
-              </a:ext>
-            </a:extLst>
-          </p:cNvPr>
-          <p:cNvSpPr/>
-          <p:nvPr/>
-        </p:nvSpPr>
-        <p:spPr>
-          <a:xfrm>
-            <a:off x="1123453" y="3704182"/>
-            <a:ext cx="1008609" cy="276999"/>
-          </a:xfrm>
-          <a:prstGeom prst="rect">
-            <a:avLst/>
-          </a:prstGeom>
-        </p:spPr>
-        <p:txBody>
-          <a:bodyPr wrap="none">
-            <a:spAutoFit/>
-          </a:bodyPr>
-          <a:lstStyle/>
-          <a:p>
-            <a:r>
-              <a:rPr lang="en-GB" sz="1200" dirty="0">
-                <a:latin typeface="Comic Sans MS" panose="030F0702030302020204" pitchFamily="66" charset="0"/>
-              </a:rPr>
-              <a:t>@</a:t>
-            </a:r>
-            <a:r>
-              <a:rPr lang="en-GB" sz="1200" dirty="0" err="1">
-                <a:latin typeface="Comic Sans MS" panose="030F0702030302020204" pitchFamily="66" charset="0"/>
-              </a:rPr>
-              <a:t>kevnsmall</a:t>
-            </a:r>
-            <a:endParaRPr lang="en-GB" sz="1200" dirty="0"/>
-          </a:p>
-        </p:txBody>
-      </p:sp>
       <p:sp>
         <p:nvSpPr>
           <p:cNvPr id="3" name="Rectangle 2">
@@ -5357,8 +5267,8 @@
         </p:nvSpPr>
         <p:spPr>
           <a:xfrm>
-            <a:off x="1028714" y="1891811"/>
-            <a:ext cx="1572038" cy="1200329"/>
+            <a:off x="992362" y="1781062"/>
+            <a:ext cx="2249091" cy="2123658"/>
           </a:xfrm>
           <a:prstGeom prst="rect">
             <a:avLst/>
@@ -5374,7 +5284,7 @@
               <a:rPr lang="en-GB" sz="1200" dirty="0">
                 <a:latin typeface="Comic Sans MS" panose="030F0702030302020204" pitchFamily="66" charset="0"/>
               </a:rPr>
-              <a:t>A semi-technical example of using </a:t>
+              <a:t>A </a:t>
             </a:r>
             <a:r>
               <a:rPr lang="en-GB" sz="1200" dirty="0" err="1">
@@ -5386,7 +5296,39 @@
               <a:rPr lang="en-GB" sz="1200" dirty="0">
                 <a:latin typeface="Comic Sans MS" panose="030F0702030302020204" pitchFamily="66" charset="0"/>
               </a:rPr>
-              <a:t>-SNARKs, treating most all the difficult bits as black boxes.</a:t>
+              <a:t>-SNARK is a form of Zero-Knowledge Proof (ZKP), It allows someone with a secret to convince another person that they have the secret, without </a:t>
+            </a:r>
+            <a:r>
+              <a:rPr lang="en-GB" sz="1200" dirty="0" err="1">
+                <a:latin typeface="Comic Sans MS" panose="030F0702030302020204" pitchFamily="66" charset="0"/>
+              </a:rPr>
+              <a:t>revleaing</a:t>
+            </a:r>
+            <a:r>
+              <a:rPr lang="en-GB" sz="1200" dirty="0">
+                <a:latin typeface="Comic Sans MS" panose="030F0702030302020204" pitchFamily="66" charset="0"/>
+              </a:rPr>
+              <a:t> that secret*.</a:t>
+            </a:r>
+          </a:p>
+          <a:p>
+            <a:r>
+              <a:rPr lang="en-GB" sz="1200" dirty="0">
+                <a:latin typeface="Comic Sans MS" panose="030F0702030302020204" pitchFamily="66" charset="0"/>
+              </a:rPr>
+              <a:t>Here we will see a semi-technical example of using </a:t>
+            </a:r>
+            <a:r>
+              <a:rPr lang="en-GB" sz="1200" dirty="0" err="1">
+                <a:latin typeface="Comic Sans MS" panose="030F0702030302020204" pitchFamily="66" charset="0"/>
+              </a:rPr>
+              <a:t>zk</a:t>
+            </a:r>
+            <a:r>
+              <a:rPr lang="en-GB" sz="1200" dirty="0">
+                <a:latin typeface="Comic Sans MS" panose="030F0702030302020204" pitchFamily="66" charset="0"/>
+              </a:rPr>
+              <a:t>-SNARKs, treating all the difficult bits as black boxes.</a:t>
             </a:r>
             <a:endParaRPr lang="en-GB" sz="1200" dirty="0"/>
           </a:p>
@@ -5642,13 +5584,13 @@
           <p:nvPr/>
         </p:nvPicPr>
         <p:blipFill>
-          <a:blip r:embed="rId3">
+          <a:blip r:embed="rId2">
             <a:extLst>
               <a:ext uri="{28A0092B-C50C-407E-A947-70E740481C1C}">
                 <a14:useLocalDpi xmlns:a14="http://schemas.microsoft.com/office/drawing/2010/main" val="0"/>
               </a:ext>
               <a:ext uri="{96DAC541-7B7A-43D3-8B79-37D633B846F1}">
-                <asvg:svgBlip xmlns:asvg="http://schemas.microsoft.com/office/drawing/2016/SVG/main" r:embed="rId4"/>
+                <asvg:svgBlip xmlns:asvg="http://schemas.microsoft.com/office/drawing/2016/SVG/main" r:embed="rId3"/>
               </a:ext>
             </a:extLst>
           </a:blip>
@@ -5727,11 +5669,11 @@
           <p:nvPr/>
         </p:nvPicPr>
         <p:blipFill>
-          <a:blip r:embed="rId5">
+          <a:blip r:embed="rId4">
             <a:extLst>
               <a:ext uri="{BEBA8EAE-BF5A-486C-A8C5-ECC9F3942E4B}">
                 <a14:imgProps xmlns:a14="http://schemas.microsoft.com/office/drawing/2010/main">
-                  <a14:imgLayer r:embed="rId6">
+                  <a14:imgLayer r:embed="rId5">
                     <a14:imgEffect>
                       <a14:brightnessContrast contrast="22000"/>
                     </a14:imgEffect>
@@ -5746,7 +5688,7 @@
         </p:blipFill>
         <p:spPr>
           <a:xfrm>
-            <a:off x="5556567" y="1386208"/>
+            <a:off x="5918757" y="1357322"/>
             <a:ext cx="1242693" cy="2205856"/>
           </a:xfrm>
           <a:prstGeom prst="rect">
@@ -5769,14 +5711,14 @@
           <p:nvPr/>
         </p:nvPicPr>
         <p:blipFill>
-          <a:blip r:embed="rId7"/>
+          <a:blip r:embed="rId6"/>
           <a:stretch>
             <a:fillRect/>
           </a:stretch>
         </p:blipFill>
         <p:spPr>
           <a:xfrm>
-            <a:off x="9959384" y="1106208"/>
+            <a:off x="10060982" y="1106208"/>
             <a:ext cx="1064785" cy="2456970"/>
           </a:xfrm>
           <a:prstGeom prst="rect">
@@ -5799,7 +5741,7 @@
           <p:nvPr/>
         </p:nvPicPr>
         <p:blipFill>
-          <a:blip r:embed="rId8"/>
+          <a:blip r:embed="rId7"/>
           <a:stretch>
             <a:fillRect/>
           </a:stretch>
@@ -5829,7 +5771,7 @@
           <p:nvPr/>
         </p:nvPicPr>
         <p:blipFill>
-          <a:blip r:embed="rId9"/>
+          <a:blip r:embed="rId8"/>
           <a:stretch>
             <a:fillRect/>
           </a:stretch>
@@ -5859,7 +5801,7 @@
           <p:nvPr/>
         </p:nvPicPr>
         <p:blipFill>
-          <a:blip r:embed="rId10"/>
+          <a:blip r:embed="rId9"/>
           <a:stretch>
             <a:fillRect/>
           </a:stretch>
@@ -5889,7 +5831,7 @@
           <p:nvPr/>
         </p:nvPicPr>
         <p:blipFill>
-          <a:blip r:embed="rId11"/>
+          <a:blip r:embed="rId10"/>
           <a:stretch>
             <a:fillRect/>
           </a:stretch>
@@ -5919,7 +5861,7 @@
           <p:nvPr/>
         </p:nvPicPr>
         <p:blipFill>
-          <a:blip r:embed="rId12"/>
+          <a:blip r:embed="rId11"/>
           <a:stretch>
             <a:fillRect/>
           </a:stretch>
@@ -6040,7 +5982,7 @@
         </p:nvSpPr>
         <p:spPr>
           <a:xfrm>
-            <a:off x="8896577" y="4456100"/>
+            <a:off x="8998175" y="4456100"/>
             <a:ext cx="200883" cy="199733"/>
           </a:xfrm>
           <a:prstGeom prst="rect">
@@ -6152,6 +6094,64 @@
               <a:t>Page 1/2</a:t>
             </a:r>
             <a:endParaRPr lang="en-GB" sz="1200" dirty="0"/>
+          </a:p>
+        </p:txBody>
+      </p:sp>
+      <p:sp>
+        <p:nvSpPr>
+          <p:cNvPr id="39" name="Flowchart: Process 38">
+            <a:extLst>
+              <a:ext uri="{FF2B5EF4-FFF2-40B4-BE49-F238E27FC236}">
+                <a16:creationId xmlns:a16="http://schemas.microsoft.com/office/drawing/2014/main" id="{071A4F37-6683-4AD3-B49E-7F02BBD7A19B}"/>
+              </a:ext>
+            </a:extLst>
+          </p:cNvPr>
+          <p:cNvSpPr/>
+          <p:nvPr/>
+        </p:nvSpPr>
+        <p:spPr>
+          <a:xfrm>
+            <a:off x="885372" y="7455001"/>
+            <a:ext cx="10504722" cy="276999"/>
+          </a:xfrm>
+          <a:prstGeom prst="flowChartProcess">
+            <a:avLst/>
+          </a:prstGeom>
+          <a:ln>
+            <a:noFill/>
+          </a:ln>
+        </p:spPr>
+        <p:style>
+          <a:lnRef idx="2">
+            <a:schemeClr val="dk1"/>
+          </a:lnRef>
+          <a:fillRef idx="1">
+            <a:schemeClr val="lt1"/>
+          </a:fillRef>
+          <a:effectRef idx="0">
+            <a:schemeClr val="dk1"/>
+          </a:effectRef>
+          <a:fontRef idx="minor">
+            <a:schemeClr val="dk1"/>
+          </a:fontRef>
+        </p:style>
+        <p:txBody>
+          <a:bodyPr wrap="square" rtlCol="0" anchor="ctr">
+            <a:spAutoFit/>
+          </a:bodyPr>
+          <a:lstStyle/>
+          <a:p>
+            <a:pPr>
+              <a:spcAft>
+                <a:spcPts val="600"/>
+              </a:spcAft>
+            </a:pPr>
+            <a:r>
+              <a:rPr lang="en-GB" sz="1200" dirty="0">
+                <a:latin typeface="Comic Sans MS" panose="030F0702030302020204" pitchFamily="66" charset="0"/>
+              </a:rPr>
+              <a:t>* Strictly speaking, the person with the secret convinces the other person that the secret conforms to some rule (the program C you see later).</a:t>
+            </a:r>
           </a:p>
         </p:txBody>
       </p:sp>
@@ -6866,47 +6866,45 @@
         <p:spPr>
           <a:xfrm>
             <a:off x="8502540" y="4122069"/>
-            <a:ext cx="2869405" cy="2428359"/>
+            <a:ext cx="2869405" cy="2074163"/>
           </a:xfrm>
           <a:custGeom>
             <a:avLst/>
             <a:gdLst>
               <a:gd name="connsiteX0" fmla="*/ 0 w 2869405"/>
-              <a:gd name="connsiteY0" fmla="*/ 0 h 2428359"/>
+              <a:gd name="connsiteY0" fmla="*/ 0 h 2074163"/>
               <a:gd name="connsiteX1" fmla="*/ 573881 w 2869405"/>
-              <a:gd name="connsiteY1" fmla="*/ 0 h 2428359"/>
+              <a:gd name="connsiteY1" fmla="*/ 0 h 2074163"/>
               <a:gd name="connsiteX2" fmla="*/ 1119068 w 2869405"/>
-              <a:gd name="connsiteY2" fmla="*/ 0 h 2428359"/>
+              <a:gd name="connsiteY2" fmla="*/ 0 h 2074163"/>
               <a:gd name="connsiteX3" fmla="*/ 1721643 w 2869405"/>
-              <a:gd name="connsiteY3" fmla="*/ 0 h 2428359"/>
+              <a:gd name="connsiteY3" fmla="*/ 0 h 2074163"/>
               <a:gd name="connsiteX4" fmla="*/ 2295524 w 2869405"/>
-              <a:gd name="connsiteY4" fmla="*/ 0 h 2428359"/>
+              <a:gd name="connsiteY4" fmla="*/ 0 h 2074163"/>
               <a:gd name="connsiteX5" fmla="*/ 2869405 w 2869405"/>
-              <a:gd name="connsiteY5" fmla="*/ 0 h 2428359"/>
+              <a:gd name="connsiteY5" fmla="*/ 0 h 2074163"/>
               <a:gd name="connsiteX6" fmla="*/ 2869405 w 2869405"/>
-              <a:gd name="connsiteY6" fmla="*/ 655657 h 2428359"/>
+              <a:gd name="connsiteY6" fmla="*/ 732871 h 2074163"/>
               <a:gd name="connsiteX7" fmla="*/ 2869405 w 2869405"/>
-              <a:gd name="connsiteY7" fmla="*/ 1311314 h 2428359"/>
+              <a:gd name="connsiteY7" fmla="*/ 1465742 h 2074163"/>
               <a:gd name="connsiteX8" fmla="*/ 2869405 w 2869405"/>
-              <a:gd name="connsiteY8" fmla="*/ 2428359 h 2428359"/>
+              <a:gd name="connsiteY8" fmla="*/ 2074163 h 2074163"/>
               <a:gd name="connsiteX9" fmla="*/ 2324218 w 2869405"/>
-              <a:gd name="connsiteY9" fmla="*/ 2428359 h 2428359"/>
+              <a:gd name="connsiteY9" fmla="*/ 2074163 h 2074163"/>
               <a:gd name="connsiteX10" fmla="*/ 1779031 w 2869405"/>
-              <a:gd name="connsiteY10" fmla="*/ 2428359 h 2428359"/>
+              <a:gd name="connsiteY10" fmla="*/ 2074163 h 2074163"/>
               <a:gd name="connsiteX11" fmla="*/ 1205150 w 2869405"/>
-              <a:gd name="connsiteY11" fmla="*/ 2428359 h 2428359"/>
+              <a:gd name="connsiteY11" fmla="*/ 2074163 h 2074163"/>
               <a:gd name="connsiteX12" fmla="*/ 602575 w 2869405"/>
-              <a:gd name="connsiteY12" fmla="*/ 2428359 h 2428359"/>
+              <a:gd name="connsiteY12" fmla="*/ 2074163 h 2074163"/>
               <a:gd name="connsiteX13" fmla="*/ 0 w 2869405"/>
-              <a:gd name="connsiteY13" fmla="*/ 2428359 h 2428359"/>
+              <a:gd name="connsiteY13" fmla="*/ 2074163 h 2074163"/>
               <a:gd name="connsiteX14" fmla="*/ 0 w 2869405"/>
-              <a:gd name="connsiteY14" fmla="*/ 1869836 h 2428359"/>
+              <a:gd name="connsiteY14" fmla="*/ 1424259 h 2074163"/>
               <a:gd name="connsiteX15" fmla="*/ 0 w 2869405"/>
-              <a:gd name="connsiteY15" fmla="*/ 1311314 h 2428359"/>
+              <a:gd name="connsiteY15" fmla="*/ 774354 h 2074163"/>
               <a:gd name="connsiteX16" fmla="*/ 0 w 2869405"/>
-              <a:gd name="connsiteY16" fmla="*/ 679941 h 2428359"/>
-              <a:gd name="connsiteX17" fmla="*/ 0 w 2869405"/>
-              <a:gd name="connsiteY17" fmla="*/ 0 h 2428359"/>
+              <a:gd name="connsiteY16" fmla="*/ 0 h 2074163"/>
             </a:gdLst>
             <a:ahLst/>
             <a:cxnLst>
@@ -6961,13 +6959,10 @@
               <a:cxn ang="0">
                 <a:pos x="connsiteX16" y="connsiteY16"/>
               </a:cxn>
-              <a:cxn ang="0">
-                <a:pos x="connsiteX17" y="connsiteY17"/>
-              </a:cxn>
             </a:cxnLst>
             <a:rect l="l" t="t" r="r" b="b"/>
             <a:pathLst>
-              <a:path w="2869405" h="2428359" extrusionOk="0">
+              <a:path w="2869405" h="2074163" extrusionOk="0">
                 <a:moveTo>
                   <a:pt x="0" y="0"/>
                 </a:moveTo>
@@ -6997,63 +6992,58 @@
                   <a:pt x="2869405" y="0"/>
                 </a:cubicBezTo>
                 <a:cubicBezTo>
-                  <a:pt x="2864821" y="190264"/>
-                  <a:pt x="2850051" y="420621"/>
-                  <a:pt x="2869405" y="655657"/>
-                </a:cubicBezTo>
-                <a:cubicBezTo>
-                  <a:pt x="2888759" y="890693"/>
-                  <a:pt x="2888417" y="1054474"/>
-                  <a:pt x="2869405" y="1311314"/>
-                </a:cubicBezTo>
-                <a:cubicBezTo>
-                  <a:pt x="2850393" y="1568154"/>
-                  <a:pt x="2857763" y="1904532"/>
-                  <a:pt x="2869405" y="2428359"/>
-                </a:cubicBezTo>
-                <a:cubicBezTo>
-                  <a:pt x="2611011" y="2425588"/>
-                  <a:pt x="2463056" y="2421667"/>
-                  <a:pt x="2324218" y="2428359"/>
-                </a:cubicBezTo>
-                <a:cubicBezTo>
-                  <a:pt x="2185380" y="2435051"/>
-                  <a:pt x="1907749" y="2421155"/>
-                  <a:pt x="1779031" y="2428359"/>
-                </a:cubicBezTo>
-                <a:cubicBezTo>
-                  <a:pt x="1650313" y="2435563"/>
-                  <a:pt x="1413293" y="2400072"/>
-                  <a:pt x="1205150" y="2428359"/>
-                </a:cubicBezTo>
-                <a:cubicBezTo>
-                  <a:pt x="997007" y="2456646"/>
-                  <a:pt x="837096" y="2410859"/>
-                  <a:pt x="602575" y="2428359"/>
-                </a:cubicBezTo>
-                <a:cubicBezTo>
-                  <a:pt x="368055" y="2445859"/>
-                  <a:pt x="265014" y="2444754"/>
-                  <a:pt x="0" y="2428359"/>
-                </a:cubicBezTo>
-                <a:cubicBezTo>
-                  <a:pt x="-7974" y="2199959"/>
-                  <a:pt x="-3787" y="2103006"/>
-                  <a:pt x="0" y="1869836"/>
-                </a:cubicBezTo>
-                <a:cubicBezTo>
-                  <a:pt x="3787" y="1636666"/>
-                  <a:pt x="-6574" y="1437813"/>
-                  <a:pt x="0" y="1311314"/>
-                </a:cubicBezTo>
-                <a:cubicBezTo>
-                  <a:pt x="6574" y="1184815"/>
-                  <a:pt x="20567" y="897533"/>
-                  <a:pt x="0" y="679941"/>
-                </a:cubicBezTo>
-                <a:cubicBezTo>
-                  <a:pt x="-20567" y="462349"/>
-                  <a:pt x="3344" y="310023"/>
+                  <a:pt x="2890810" y="308749"/>
+                  <a:pt x="2905816" y="412685"/>
+                  <a:pt x="2869405" y="732871"/>
+                </a:cubicBezTo>
+                <a:cubicBezTo>
+                  <a:pt x="2832994" y="1053057"/>
+                  <a:pt x="2856131" y="1129540"/>
+                  <a:pt x="2869405" y="1465742"/>
+                </a:cubicBezTo>
+                <a:cubicBezTo>
+                  <a:pt x="2882679" y="1801944"/>
+                  <a:pt x="2841699" y="1790196"/>
+                  <a:pt x="2869405" y="2074163"/>
+                </a:cubicBezTo>
+                <a:cubicBezTo>
+                  <a:pt x="2611011" y="2071392"/>
+                  <a:pt x="2463056" y="2067471"/>
+                  <a:pt x="2324218" y="2074163"/>
+                </a:cubicBezTo>
+                <a:cubicBezTo>
+                  <a:pt x="2185380" y="2080855"/>
+                  <a:pt x="1907749" y="2066959"/>
+                  <a:pt x="1779031" y="2074163"/>
+                </a:cubicBezTo>
+                <a:cubicBezTo>
+                  <a:pt x="1650313" y="2081367"/>
+                  <a:pt x="1413293" y="2045876"/>
+                  <a:pt x="1205150" y="2074163"/>
+                </a:cubicBezTo>
+                <a:cubicBezTo>
+                  <a:pt x="997007" y="2102450"/>
+                  <a:pt x="837096" y="2056663"/>
+                  <a:pt x="602575" y="2074163"/>
+                </a:cubicBezTo>
+                <a:cubicBezTo>
+                  <a:pt x="368055" y="2091663"/>
+                  <a:pt x="265014" y="2090558"/>
+                  <a:pt x="0" y="2074163"/>
+                </a:cubicBezTo>
+                <a:cubicBezTo>
+                  <a:pt x="24183" y="1863156"/>
+                  <a:pt x="8722" y="1694505"/>
+                  <a:pt x="0" y="1424259"/>
+                </a:cubicBezTo>
+                <a:cubicBezTo>
+                  <a:pt x="-8722" y="1154013"/>
+                  <a:pt x="18617" y="930087"/>
+                  <a:pt x="0" y="774354"/>
+                </a:cubicBezTo>
+                <a:cubicBezTo>
+                  <a:pt x="-18617" y="618621"/>
+                  <a:pt x="8565" y="381384"/>
                   <a:pt x="0" y="0"/>
                 </a:cubicBezTo>
                 <a:close/>
@@ -7982,7 +7972,7 @@
               <a:rPr lang="en-GB" sz="1200" dirty="0">
                 <a:latin typeface="Comic Sans MS" panose="030F0702030302020204" pitchFamily="66" charset="0"/>
               </a:rPr>
-              <a:t> is a secret value known only to Bob*. The </a:t>
+              <a:t> is a secret value known only to Bob**. The </a:t>
             </a:r>
             <a:r>
               <a:rPr lang="en-GB" sz="1200" b="1" dirty="0">
@@ -8037,7 +8027,7 @@
         </p:nvSpPr>
         <p:spPr>
           <a:xfrm>
-            <a:off x="8553925" y="4540740"/>
+            <a:off x="8553925" y="4526226"/>
             <a:ext cx="2700293" cy="1646605"/>
           </a:xfrm>
           <a:prstGeom prst="flowChartProcess">
@@ -8231,7 +8221,7 @@
               <a:rPr lang="en-GB" sz="1200" dirty="0">
                 <a:latin typeface="Comic Sans MS" panose="030F0702030302020204" pitchFamily="66" charset="0"/>
               </a:rPr>
-              <a:t>* or others could create fake proofs that make it appear that they know secret </a:t>
+              <a:t>** or others could create fake proofs that make it appear that they know secret </a:t>
             </a:r>
             <a:r>
               <a:rPr lang="en-GB" sz="1200" b="1" dirty="0">
@@ -10098,42 +10088,42 @@
         </p:nvSpPr>
         <p:spPr>
           <a:xfrm>
-            <a:off x="8509799" y="6666571"/>
-            <a:ext cx="2869405" cy="742970"/>
+            <a:off x="8509799" y="6275358"/>
+            <a:ext cx="2869405" cy="1134183"/>
           </a:xfrm>
           <a:custGeom>
             <a:avLst/>
             <a:gdLst>
               <a:gd name="connsiteX0" fmla="*/ 0 w 2869405"/>
-              <a:gd name="connsiteY0" fmla="*/ 0 h 742970"/>
+              <a:gd name="connsiteY0" fmla="*/ 0 h 1134183"/>
               <a:gd name="connsiteX1" fmla="*/ 573881 w 2869405"/>
-              <a:gd name="connsiteY1" fmla="*/ 0 h 742970"/>
+              <a:gd name="connsiteY1" fmla="*/ 0 h 1134183"/>
               <a:gd name="connsiteX2" fmla="*/ 1119068 w 2869405"/>
-              <a:gd name="connsiteY2" fmla="*/ 0 h 742970"/>
+              <a:gd name="connsiteY2" fmla="*/ 0 h 1134183"/>
               <a:gd name="connsiteX3" fmla="*/ 1721643 w 2869405"/>
-              <a:gd name="connsiteY3" fmla="*/ 0 h 742970"/>
+              <a:gd name="connsiteY3" fmla="*/ 0 h 1134183"/>
               <a:gd name="connsiteX4" fmla="*/ 2295524 w 2869405"/>
-              <a:gd name="connsiteY4" fmla="*/ 0 h 742970"/>
+              <a:gd name="connsiteY4" fmla="*/ 0 h 1134183"/>
               <a:gd name="connsiteX5" fmla="*/ 2869405 w 2869405"/>
-              <a:gd name="connsiteY5" fmla="*/ 0 h 742970"/>
+              <a:gd name="connsiteY5" fmla="*/ 0 h 1134183"/>
               <a:gd name="connsiteX6" fmla="*/ 2869405 w 2869405"/>
-              <a:gd name="connsiteY6" fmla="*/ 386344 h 742970"/>
+              <a:gd name="connsiteY6" fmla="*/ 589775 h 1134183"/>
               <a:gd name="connsiteX7" fmla="*/ 2869405 w 2869405"/>
-              <a:gd name="connsiteY7" fmla="*/ 742970 h 742970"/>
+              <a:gd name="connsiteY7" fmla="*/ 1134183 h 1134183"/>
               <a:gd name="connsiteX8" fmla="*/ 2295524 w 2869405"/>
-              <a:gd name="connsiteY8" fmla="*/ 742970 h 742970"/>
+              <a:gd name="connsiteY8" fmla="*/ 1134183 h 1134183"/>
               <a:gd name="connsiteX9" fmla="*/ 1721643 w 2869405"/>
-              <a:gd name="connsiteY9" fmla="*/ 742970 h 742970"/>
+              <a:gd name="connsiteY9" fmla="*/ 1134183 h 1134183"/>
               <a:gd name="connsiteX10" fmla="*/ 1176456 w 2869405"/>
-              <a:gd name="connsiteY10" fmla="*/ 742970 h 742970"/>
+              <a:gd name="connsiteY10" fmla="*/ 1134183 h 1134183"/>
               <a:gd name="connsiteX11" fmla="*/ 602575 w 2869405"/>
-              <a:gd name="connsiteY11" fmla="*/ 742970 h 742970"/>
+              <a:gd name="connsiteY11" fmla="*/ 1134183 h 1134183"/>
               <a:gd name="connsiteX12" fmla="*/ 0 w 2869405"/>
-              <a:gd name="connsiteY12" fmla="*/ 742970 h 742970"/>
+              <a:gd name="connsiteY12" fmla="*/ 1134183 h 1134183"/>
               <a:gd name="connsiteX13" fmla="*/ 0 w 2869405"/>
-              <a:gd name="connsiteY13" fmla="*/ 386344 h 742970"/>
+              <a:gd name="connsiteY13" fmla="*/ 589775 h 1134183"/>
               <a:gd name="connsiteX14" fmla="*/ 0 w 2869405"/>
-              <a:gd name="connsiteY14" fmla="*/ 0 h 742970"/>
+              <a:gd name="connsiteY14" fmla="*/ 0 h 1134183"/>
             </a:gdLst>
             <a:ahLst/>
             <a:cxnLst>
@@ -10185,7 +10175,7 @@
             </a:cxnLst>
             <a:rect l="l" t="t" r="r" b="b"/>
             <a:pathLst>
-              <a:path w="2869405" h="742970" extrusionOk="0">
+              <a:path w="2869405" h="1134183" extrusionOk="0">
                 <a:moveTo>
                   <a:pt x="0" y="0"/>
                 </a:moveTo>
@@ -10215,48 +10205,48 @@
                   <a:pt x="2869405" y="0"/>
                 </a:cubicBezTo>
                 <a:cubicBezTo>
-                  <a:pt x="2853474" y="180151"/>
-                  <a:pt x="2886448" y="291174"/>
-                  <a:pt x="2869405" y="386344"/>
-                </a:cubicBezTo>
-                <a:cubicBezTo>
-                  <a:pt x="2852362" y="481514"/>
-                  <a:pt x="2860152" y="654949"/>
-                  <a:pt x="2869405" y="742970"/>
-                </a:cubicBezTo>
-                <a:cubicBezTo>
-                  <a:pt x="2697505" y="755398"/>
-                  <a:pt x="2558745" y="740961"/>
-                  <a:pt x="2295524" y="742970"/>
-                </a:cubicBezTo>
-                <a:cubicBezTo>
-                  <a:pt x="2032303" y="744979"/>
-                  <a:pt x="1857536" y="720306"/>
-                  <a:pt x="1721643" y="742970"/>
-                </a:cubicBezTo>
-                <a:cubicBezTo>
-                  <a:pt x="1585750" y="765634"/>
-                  <a:pt x="1305174" y="735766"/>
-                  <a:pt x="1176456" y="742970"/>
-                </a:cubicBezTo>
-                <a:cubicBezTo>
-                  <a:pt x="1047738" y="750174"/>
-                  <a:pt x="810718" y="714683"/>
-                  <a:pt x="602575" y="742970"/>
-                </a:cubicBezTo>
-                <a:cubicBezTo>
-                  <a:pt x="394432" y="771257"/>
-                  <a:pt x="234521" y="725470"/>
-                  <a:pt x="0" y="742970"/>
-                </a:cubicBezTo>
-                <a:cubicBezTo>
-                  <a:pt x="10737" y="579561"/>
-                  <a:pt x="-2146" y="458792"/>
-                  <a:pt x="0" y="386344"/>
-                </a:cubicBezTo>
-                <a:cubicBezTo>
-                  <a:pt x="2146" y="313896"/>
-                  <a:pt x="-11888" y="100316"/>
+                  <a:pt x="2878137" y="285667"/>
+                  <a:pt x="2873938" y="307274"/>
+                  <a:pt x="2869405" y="589775"/>
+                </a:cubicBezTo>
+                <a:cubicBezTo>
+                  <a:pt x="2864872" y="872277"/>
+                  <a:pt x="2885385" y="920235"/>
+                  <a:pt x="2869405" y="1134183"/>
+                </a:cubicBezTo>
+                <a:cubicBezTo>
+                  <a:pt x="2697505" y="1146611"/>
+                  <a:pt x="2558745" y="1132174"/>
+                  <a:pt x="2295524" y="1134183"/>
+                </a:cubicBezTo>
+                <a:cubicBezTo>
+                  <a:pt x="2032303" y="1136192"/>
+                  <a:pt x="1857536" y="1111519"/>
+                  <a:pt x="1721643" y="1134183"/>
+                </a:cubicBezTo>
+                <a:cubicBezTo>
+                  <a:pt x="1585750" y="1156847"/>
+                  <a:pt x="1305174" y="1126979"/>
+                  <a:pt x="1176456" y="1134183"/>
+                </a:cubicBezTo>
+                <a:cubicBezTo>
+                  <a:pt x="1047738" y="1141387"/>
+                  <a:pt x="810718" y="1105896"/>
+                  <a:pt x="602575" y="1134183"/>
+                </a:cubicBezTo>
+                <a:cubicBezTo>
+                  <a:pt x="394432" y="1162470"/>
+                  <a:pt x="234521" y="1116683"/>
+                  <a:pt x="0" y="1134183"/>
+                </a:cubicBezTo>
+                <a:cubicBezTo>
+                  <a:pt x="17212" y="864252"/>
+                  <a:pt x="-18264" y="851416"/>
+                  <a:pt x="0" y="589775"/>
+                </a:cubicBezTo>
+                <a:cubicBezTo>
+                  <a:pt x="18264" y="328134"/>
+                  <a:pt x="22779" y="151777"/>
                   <a:pt x="0" y="0"/>
                 </a:cubicBezTo>
                 <a:close/>
@@ -10321,8 +10311,8 @@
         </p:nvSpPr>
         <p:spPr>
           <a:xfrm>
-            <a:off x="8553924" y="6729544"/>
-            <a:ext cx="2700293" cy="646331"/>
+            <a:off x="8582225" y="6345407"/>
+            <a:ext cx="2724551" cy="646331"/>
           </a:xfrm>
           <a:prstGeom prst="flowChartProcess">
             <a:avLst/>
@@ -10346,7 +10336,7 @@
           </a:fontRef>
         </p:style>
         <p:txBody>
-          <a:bodyPr wrap="square" rtlCol="0" anchor="ctr">
+          <a:bodyPr wrap="square" lIns="36000" rIns="36000" rtlCol="0" anchor="ctr">
             <a:spAutoFit/>
           </a:bodyPr>
           <a:lstStyle/>
@@ -10360,19 +10350,29 @@
               <a:rPr lang="en-GB" sz="1200" dirty="0">
                 <a:latin typeface="Comic Sans MS" panose="030F0702030302020204" pitchFamily="66" charset="0"/>
               </a:rPr>
-              <a:t>License: CC0-1.0. Inspired by https://bit.ly/3z9aTeW written by Christian </a:t>
-            </a:r>
-            <a:r>
-              <a:rPr lang="en-GB" sz="1200" dirty="0" err="1">
-                <a:latin typeface="Comic Sans MS" panose="030F0702030302020204" pitchFamily="66" charset="0"/>
-              </a:rPr>
-              <a:t>Lundkvist</a:t>
-            </a:r>
-            <a:r>
+              <a:t>License: CC0-1.0</a:t>
+            </a:r>
+            <a:br>
               <a:rPr lang="en-GB" sz="1200" dirty="0">
                 <a:latin typeface="Comic Sans MS" panose="030F0702030302020204" pitchFamily="66" charset="0"/>
               </a:rPr>
-              <a:t>.</a:t>
+            </a:br>
+            <a:r>
+              <a:rPr lang="en-GB" sz="1200" dirty="0">
+                <a:latin typeface="Comic Sans MS" panose="030F0702030302020204" pitchFamily="66" charset="0"/>
+              </a:rPr>
+              <a:t>Source files: https://bit.ly/gitHuBk</a:t>
+            </a:r>
+            <a:br>
+              <a:rPr lang="en-GB" sz="1200" dirty="0">
+                <a:latin typeface="Comic Sans MS" panose="030F0702030302020204" pitchFamily="66" charset="0"/>
+              </a:rPr>
+            </a:br>
+            <a:r>
+              <a:rPr lang="en-GB" sz="1200" dirty="0">
+                <a:latin typeface="Comic Sans MS" panose="030F0702030302020204" pitchFamily="66" charset="0"/>
+              </a:rPr>
+              <a:t>Inspiration: https://bit.ly/3z9aTeW</a:t>
             </a:r>
           </a:p>
         </p:txBody>
@@ -10409,6 +10409,96 @@
                 <a:latin typeface="Comic Sans MS" panose="030F0702030302020204" pitchFamily="66" charset="0"/>
               </a:rPr>
               <a:t>Page 2/2</a:t>
+            </a:r>
+            <a:endParaRPr lang="en-GB" sz="1200" dirty="0"/>
+          </a:p>
+        </p:txBody>
+      </p:sp>
+      <p:pic>
+        <p:nvPicPr>
+          <p:cNvPr id="56" name="Picture 2" descr="Image result for twitter icon">
+            <a:extLst>
+              <a:ext uri="{FF2B5EF4-FFF2-40B4-BE49-F238E27FC236}">
+                <a16:creationId xmlns:a16="http://schemas.microsoft.com/office/drawing/2014/main" id="{16E9DEC1-3B7F-4B92-9E19-00266BC96C24}"/>
+              </a:ext>
+            </a:extLst>
+          </p:cNvPr>
+          <p:cNvPicPr>
+            <a:picLocks noChangeAspect="1" noChangeArrowheads="1"/>
+          </p:cNvPicPr>
+          <p:nvPr/>
+        </p:nvPicPr>
+        <p:blipFill>
+          <a:blip r:embed="rId9">
+            <a:extLst>
+              <a:ext uri="{28A0092B-C50C-407E-A947-70E740481C1C}">
+                <a14:useLocalDpi xmlns:a14="http://schemas.microsoft.com/office/drawing/2010/main" val="0"/>
+              </a:ext>
+            </a:extLst>
+          </a:blip>
+          <a:srcRect/>
+          <a:stretch>
+            <a:fillRect/>
+          </a:stretch>
+        </p:blipFill>
+        <p:spPr bwMode="auto">
+          <a:xfrm>
+            <a:off x="8582225" y="7138211"/>
+            <a:ext cx="212493" cy="212493"/>
+          </a:xfrm>
+          <a:prstGeom prst="rect">
+            <a:avLst/>
+          </a:prstGeom>
+          <a:noFill/>
+          <a:extLst>
+            <a:ext uri="{909E8E84-426E-40DD-AFC4-6F175D3DCCD1}">
+              <a14:hiddenFill xmlns:a14="http://schemas.microsoft.com/office/drawing/2010/main">
+                <a:solidFill>
+                  <a:srgbClr val="FFFFFF"/>
+                </a:solidFill>
+              </a14:hiddenFill>
+            </a:ext>
+          </a:extLst>
+        </p:spPr>
+      </p:pic>
+      <p:sp>
+        <p:nvSpPr>
+          <p:cNvPr id="57" name="Rectangle 56">
+            <a:extLst>
+              <a:ext uri="{FF2B5EF4-FFF2-40B4-BE49-F238E27FC236}">
+                <a16:creationId xmlns:a16="http://schemas.microsoft.com/office/drawing/2014/main" id="{19A8E2DE-BF98-4709-BEC5-C1BD40C9C761}"/>
+              </a:ext>
+            </a:extLst>
+          </p:cNvPr>
+          <p:cNvSpPr/>
+          <p:nvPr/>
+        </p:nvSpPr>
+        <p:spPr>
+          <a:xfrm>
+            <a:off x="8700947" y="7121992"/>
+            <a:ext cx="1008609" cy="276999"/>
+          </a:xfrm>
+          <a:prstGeom prst="rect">
+            <a:avLst/>
+          </a:prstGeom>
+        </p:spPr>
+        <p:txBody>
+          <a:bodyPr wrap="none">
+            <a:spAutoFit/>
+          </a:bodyPr>
+          <a:lstStyle/>
+          <a:p>
+            <a:r>
+              <a:rPr lang="en-GB" sz="1200" dirty="0">
+                <a:latin typeface="Comic Sans MS" panose="030F0702030302020204" pitchFamily="66" charset="0"/>
+              </a:rPr>
+              <a:t>@</a:t>
+            </a:r>
+            <a:r>
+              <a:rPr lang="en-GB" sz="1200" dirty="0" err="1">
+                <a:latin typeface="Comic Sans MS" panose="030F0702030302020204" pitchFamily="66" charset="0"/>
+              </a:rPr>
+              <a:t>kevnsmall</a:t>
             </a:r>
             <a:endParaRPr lang="en-GB" sz="1200" dirty="0"/>
           </a:p>

--- a/zk-SNARKs-Explainer-raw-images.pptx
+++ b/zk-SNARKs-Explainer-raw-images.pptx
@@ -5296,19 +5296,7 @@
               <a:rPr lang="en-GB" sz="1200" dirty="0">
                 <a:latin typeface="Comic Sans MS" panose="030F0702030302020204" pitchFamily="66" charset="0"/>
               </a:rPr>
-              <a:t>-SNARK is a form of Zero-Knowledge Proof (ZKP), It allows someone with a secret to convince another person that they have the secret, without </a:t>
-            </a:r>
-            <a:r>
-              <a:rPr lang="en-GB" sz="1200" dirty="0" err="1">
-                <a:latin typeface="Comic Sans MS" panose="030F0702030302020204" pitchFamily="66" charset="0"/>
-              </a:rPr>
-              <a:t>revleaing</a:t>
-            </a:r>
-            <a:r>
-              <a:rPr lang="en-GB" sz="1200" dirty="0">
-                <a:latin typeface="Comic Sans MS" panose="030F0702030302020204" pitchFamily="66" charset="0"/>
-              </a:rPr>
-              <a:t> that secret*.</a:t>
+              <a:t>-SNARK is a form of Zero-Knowledge Proof (ZKP), It allows someone with a secret to convince another person that they have the secret, without revealing that secret*.</a:t>
             </a:r>
           </a:p>
           <a:p>
